--- a/slides/ppslides/ButtonMLODiscrimination21Oct2021.pptx
+++ b/slides/ppslides/ButtonMLODiscrimination21Oct2021.pptx
@@ -132,6 +132,11 @@
       </a:defRPr>
     </a:lvl9pPr>
   </p:defaultTextStyle>
+  <p:extLst>
+    <p:ext uri="{EFAFB233-063F-42B5-8137-9DF3F51BA10A}">
+      <p15:sldGuideLst xmlns:p15="http://schemas.microsoft.com/office/powerpoint/2012/main"/>
+    </p:ext>
+  </p:extLst>
 </p:presentation>
 </file>
 
@@ -12777,11 +12782,17 @@
         <p:nvGraphicFramePr>
           <p:cNvPr id="137" name="Content Placeholder 3"/>
           <p:cNvGraphicFramePr/>
-          <p:nvPr/>
+          <p:nvPr>
+            <p:extLst>
+              <p:ext uri="{D42A27DB-BD31-4B8C-83A1-F6EECF244321}">
+                <p14:modId xmlns:p14="http://schemas.microsoft.com/office/powerpoint/2010/main" val="3739874480"/>
+              </p:ext>
+            </p:extLst>
+          </p:nvPr>
         </p:nvGraphicFramePr>
         <p:xfrm>
-          <a:off x="4572000" y="1523880"/>
-          <a:ext cx="4136760" cy="3572280"/>
+          <a:off x="4571820" y="1283353"/>
+          <a:ext cx="4136760" cy="5577840"/>
         </p:xfrm>
         <a:graphic>
           <a:graphicData uri="http://schemas.openxmlformats.org/drawingml/2006/table">
@@ -13877,7 +13888,7 @@
                         </a:lnSpc>
                       </a:pPr>
                       <a:r>
-                        <a:rPr lang="en-US" sz="1200" b="1" strike="noStrike" spc="-1">
+                        <a:rPr lang="en-US" sz="1200" b="1" strike="noStrike" spc="-1" dirty="0">
                           <a:solidFill>
                             <a:srgbClr val="292934"/>
                           </a:solidFill>
@@ -13885,7 +13896,7 @@
                         </a:rPr>
                         <a:t>Has Two Children</a:t>
                       </a:r>
-                      <a:endParaRPr lang="en-US" sz="1200" b="0" strike="noStrike" spc="-1">
+                      <a:endParaRPr lang="en-US" sz="1200" b="0" strike="noStrike" spc="-1" dirty="0">
                         <a:solidFill>
                           <a:srgbClr val="000000"/>
                         </a:solidFill>
@@ -14758,7 +14769,7 @@
                         </a:lnSpc>
                       </a:pPr>
                       <a:r>
-                        <a:rPr lang="en-US" sz="1200" b="0" strike="noStrike" spc="-1">
+                        <a:rPr lang="en-US" sz="1200" b="0" strike="noStrike" spc="-1" dirty="0">
                           <a:solidFill>
                             <a:srgbClr val="292934"/>
                           </a:solidFill>
@@ -14766,7 +14777,7 @@
                         </a:rPr>
                         <a:t>72.34%</a:t>
                       </a:r>
-                      <a:endParaRPr lang="en-US" sz="1200" b="0" strike="noStrike" spc="-1">
+                      <a:endParaRPr lang="en-US" sz="1200" b="0" strike="noStrike" spc="-1" dirty="0">
                         <a:solidFill>
                           <a:srgbClr val="000000"/>
                         </a:solidFill>
@@ -14833,6 +14844,7 @@
               <a:bodyPr/>
               <a:lstStyle/>
               <a:p>
+                <a:pPr/>
                 <a14:m>
                   <m:oMathPara xmlns:m="http://schemas.openxmlformats.org/officeDocument/2006/math">
                     <m:oMathParaPr>
@@ -14842,7 +14854,7 @@
                       <m:sSub>
                         <m:sSubPr>
                           <m:ctrlPr>
-                            <a:rPr>
+                            <a:rPr i="1">
                               <a:latin typeface="Cambria Math" panose="02040503050406030204" pitchFamily="18" charset="0"/>
                             </a:rPr>
                           </m:ctrlPr>
@@ -15567,7 +15579,7 @@
             </p:txBody>
           </p:sp>
         </mc:Choice>
-        <mc:Fallback xmlns:p15="http://schemas.microsoft.com/office/powerpoint/2012/main" xmlns:p14="http://schemas.microsoft.com/office/powerpoint/2010/main" xmlns=""/>
+        <mc:Fallback xmlns="" xmlns:p14="http://schemas.microsoft.com/office/powerpoint/2010/main" xmlns:p15="http://schemas.microsoft.com/office/powerpoint/2012/main"/>
       </mc:AlternateContent>
       <p:sp>
         <p:nvSpPr>
@@ -15802,7 +15814,7 @@
         <p:spPr>
           <a:xfrm>
             <a:off x="654120" y="1594440"/>
-            <a:ext cx="7835400" cy="5210280"/>
+            <a:ext cx="7835400" cy="3414866"/>
           </a:xfrm>
           <a:prstGeom prst="rect">
             <a:avLst/>
@@ -15841,7 +15853,7 @@
               <a:buChar char="•"/>
             </a:pPr>
             <a:r>
-              <a:rPr lang="en-US" sz="2400" b="0" strike="noStrike" spc="-1">
+              <a:rPr lang="en-US" sz="2400" b="0" strike="noStrike" spc="-1" dirty="0">
                 <a:solidFill>
                   <a:srgbClr val="292934"/>
                 </a:solidFill>
@@ -15849,7 +15861,7 @@
               </a:rPr>
               <a:t>Update and tweak methodology (your comments are very helpful at this stage).</a:t>
             </a:r>
-            <a:endParaRPr lang="en-US" sz="2400" b="0" strike="noStrike" spc="-1">
+            <a:endParaRPr lang="en-US" sz="2400" b="0" strike="noStrike" spc="-1" dirty="0">
               <a:solidFill>
                 <a:srgbClr val="000000"/>
               </a:solidFill>
@@ -15857,128 +15869,47 @@
             </a:endParaRPr>
           </a:p>
           <a:p>
-            <a:pPr marL="285840" indent="-285840">
+            <a:pPr>
               <a:lnSpc>
                 <a:spcPct val="100000"/>
               </a:lnSpc>
-              <a:buClr>
-                <a:srgbClr val="292934"/>
-              </a:buClr>
-              <a:buFont typeface="Arial"/>
-              <a:buChar char="•"/>
-            </a:pPr>
-            <a:r>
-              <a:rPr lang="en-US" sz="2400" b="0" strike="noStrike" spc="-1">
+            </a:pPr>
+            <a:endParaRPr lang="en-US" sz="2400" b="0" strike="noStrike" spc="-1" dirty="0">
+              <a:solidFill>
+                <a:srgbClr val="000000"/>
+              </a:solidFill>
+              <a:latin typeface="Arial"/>
+            </a:endParaRPr>
+          </a:p>
+          <a:p>
+            <a:pPr>
+              <a:lnSpc>
+                <a:spcPct val="100000"/>
+              </a:lnSpc>
+            </a:pPr>
+            <a:endParaRPr lang="en-US" sz="2400" b="0" strike="noStrike" spc="-1" dirty="0">
+              <a:solidFill>
+                <a:srgbClr val="000000"/>
+              </a:solidFill>
+              <a:latin typeface="Arial"/>
+            </a:endParaRPr>
+          </a:p>
+          <a:p>
+            <a:pPr>
+              <a:lnSpc>
+                <a:spcPct val="100000"/>
+              </a:lnSpc>
+            </a:pPr>
+            <a:r>
+              <a:rPr lang="en-US" sz="2400" b="0" strike="noStrike" spc="-1" dirty="0">
                 <a:solidFill>
                   <a:srgbClr val="292934"/>
                 </a:solidFill>
                 <a:latin typeface="Avenir Next Regular"/>
               </a:rPr>
-              <a:t>File pre-analysis plan in January 2022.</a:t>
-            </a:r>
-            <a:endParaRPr lang="en-US" sz="2400" b="0" strike="noStrike" spc="-1">
-              <a:solidFill>
-                <a:srgbClr val="000000"/>
-              </a:solidFill>
-              <a:latin typeface="Arial"/>
-            </a:endParaRPr>
-          </a:p>
-          <a:p>
-            <a:pPr marL="285840" indent="-285840">
-              <a:lnSpc>
-                <a:spcPct val="100000"/>
-              </a:lnSpc>
-              <a:buClr>
-                <a:srgbClr val="292934"/>
-              </a:buClr>
-              <a:buFont typeface="Arial"/>
-              <a:buChar char="•"/>
-            </a:pPr>
-            <a:r>
-              <a:rPr lang="en-US" sz="2400" b="0" strike="noStrike" spc="-1">
-                <a:solidFill>
-                  <a:srgbClr val="292934"/>
-                </a:solidFill>
-                <a:latin typeface="Avenir Next Regular"/>
-              </a:rPr>
-              <a:t>Start collecting publicly-posted MLO information in December 2021.</a:t>
-            </a:r>
-            <a:endParaRPr lang="en-US" sz="2400" b="0" strike="noStrike" spc="-1">
-              <a:solidFill>
-                <a:srgbClr val="000000"/>
-              </a:solidFill>
-              <a:latin typeface="Arial"/>
-            </a:endParaRPr>
-          </a:p>
-          <a:p>
-            <a:pPr marL="285840" indent="-285840">
-              <a:lnSpc>
-                <a:spcPct val="100000"/>
-              </a:lnSpc>
-              <a:buClr>
-                <a:srgbClr val="292934"/>
-              </a:buClr>
-              <a:buFont typeface="Arial"/>
-              <a:buChar char="•"/>
-            </a:pPr>
-            <a:r>
-              <a:rPr lang="en-US" sz="2400" b="0" strike="noStrike" spc="-1">
-                <a:solidFill>
-                  <a:srgbClr val="292934"/>
-                </a:solidFill>
-                <a:latin typeface="Avenir Next Regular"/>
-              </a:rPr>
-              <a:t>Start emailing MLOs in February 2022.</a:t>
-            </a:r>
-            <a:endParaRPr lang="en-US" sz="2400" b="0" strike="noStrike" spc="-1">
-              <a:solidFill>
-                <a:srgbClr val="000000"/>
-              </a:solidFill>
-              <a:latin typeface="Arial"/>
-            </a:endParaRPr>
-          </a:p>
-          <a:p>
-            <a:pPr>
-              <a:lnSpc>
-                <a:spcPct val="100000"/>
-              </a:lnSpc>
-            </a:pPr>
-            <a:endParaRPr lang="en-US" sz="2400" b="0" strike="noStrike" spc="-1">
-              <a:solidFill>
-                <a:srgbClr val="000000"/>
-              </a:solidFill>
-              <a:latin typeface="Arial"/>
-            </a:endParaRPr>
-          </a:p>
-          <a:p>
-            <a:pPr>
-              <a:lnSpc>
-                <a:spcPct val="100000"/>
-              </a:lnSpc>
-            </a:pPr>
-            <a:endParaRPr lang="en-US" sz="2400" b="0" strike="noStrike" spc="-1">
-              <a:solidFill>
-                <a:srgbClr val="000000"/>
-              </a:solidFill>
-              <a:latin typeface="Arial"/>
-            </a:endParaRPr>
-          </a:p>
-          <a:p>
-            <a:pPr>
-              <a:lnSpc>
-                <a:spcPct val="100000"/>
-              </a:lnSpc>
-            </a:pPr>
-            <a:r>
-              <a:rPr lang="en-US" sz="2400" b="0" strike="noStrike" spc="-1">
-                <a:solidFill>
-                  <a:srgbClr val="292934"/>
-                </a:solidFill>
-                <a:latin typeface="Avenir Next Regular"/>
-              </a:rPr>
-              <a:t>We will likely be hiring RAs in December, and then perhaps later in early 2022. The job ad will appear on Handshake, will be sent to econ majors, and distributed in other ways. If you are interested in a position and you haven’t see any ad posted by the end of December then reach out to me.</a:t>
-            </a:r>
-            <a:endParaRPr lang="en-US" sz="2400" b="0" strike="noStrike" spc="-1">
+              <a:t>We will likely be hiring RAs in the next couple of months. The job ad will appear on Handshake, will be sent to econ majors, and distributed in other ways. If you are interested in a position and you haven’t see any ad posted then reach out to me.</a:t>
+            </a:r>
+            <a:endParaRPr lang="en-US" sz="2400" b="0" strike="noStrike" spc="-1" dirty="0">
               <a:solidFill>
                 <a:srgbClr val="000000"/>
               </a:solidFill>
@@ -16160,7 +16091,7 @@
         </p:nvGraphicFramePr>
         <p:xfrm>
           <a:off x="564480" y="987840"/>
-          <a:ext cx="8121960" cy="5772960"/>
+          <a:ext cx="8121960" cy="5791080"/>
         </p:xfrm>
         <a:graphic>
           <a:graphicData uri="http://schemas.openxmlformats.org/drawingml/2006/table">
